--- a/Use Cookiecutter to start your projects.pptx
+++ b/Use Cookiecutter to start your projects.pptx
@@ -9,6 +9,9 @@
     <p:sldId id="257" r:id="rId3"/>
     <p:sldId id="258" r:id="rId4"/>
     <p:sldId id="259" r:id="rId5"/>
+    <p:sldId id="260" r:id="rId6"/>
+    <p:sldId id="261" r:id="rId7"/>
+    <p:sldId id="262" r:id="rId8"/>
   </p:sldIdLst>
   <p:sldSz cx="12192000" cy="6858000"/>
   <p:notesSz cx="6858000" cy="9144000"/>
@@ -107,7 +110,20 @@
       </a:defRPr>
     </a:lvl9pPr>
   </p:defaultTextStyle>
+  <p:extLst>
+    <p:ext uri="{EFAFB233-063F-42B5-8137-9DF3F51BA10A}">
+      <p15:sldGuideLst xmlns:p15="http://schemas.microsoft.com/office/powerpoint/2012/main"/>
+    </p:ext>
+  </p:extLst>
 </p:presentation>
+</file>
+
+<file path=ppt/revisionInfo.xml><?xml version="1.0" encoding="utf-8"?>
+<p1510:revInfo xmlns:a="http://schemas.openxmlformats.org/drawingml/2006/main" xmlns:r="http://schemas.openxmlformats.org/officeDocument/2006/relationships" xmlns:p1510="http://schemas.microsoft.com/office/powerpoint/2015/10/main">
+  <p1510:revLst>
+    <p1510:client id="{6C5BD0D3-FD23-45D2-BA6F-CCCE508B508F}" v="1" dt="2024-07-09T23:21:41.157"/>
+  </p1510:revLst>
+</p1510:revInfo>
 </file>
 
 <file path=ppt/changesInfos/changesInfo1.xml><?xml version="1.0" encoding="utf-8"?>
@@ -170,6 +186,185 @@
           <pc:docMk/>
           <pc:sldMk cId="2534223685" sldId="259"/>
         </pc:sldMkLst>
+      </pc:sldChg>
+    </pc:docChg>
+  </pc:docChgLst>
+  <pc:docChgLst>
+    <pc:chgData name="Julian Yang" userId="ccc87e70-b6ec-4d45-99e2-07a8cb198739" providerId="ADAL" clId="{6C5BD0D3-FD23-45D2-BA6F-CCCE508B508F}"/>
+    <pc:docChg chg="undo custSel addSld modSld">
+      <pc:chgData name="Julian Yang" userId="ccc87e70-b6ec-4d45-99e2-07a8cb198739" providerId="ADAL" clId="{6C5BD0D3-FD23-45D2-BA6F-CCCE508B508F}" dt="2024-07-09T23:21:41.157" v="744"/>
+      <pc:docMkLst>
+        <pc:docMk/>
+      </pc:docMkLst>
+      <pc:sldChg chg="modSp mod">
+        <pc:chgData name="Julian Yang" userId="ccc87e70-b6ec-4d45-99e2-07a8cb198739" providerId="ADAL" clId="{6C5BD0D3-FD23-45D2-BA6F-CCCE508B508F}" dt="2024-07-09T23:09:16.816" v="155" actId="20577"/>
+        <pc:sldMkLst>
+          <pc:docMk/>
+          <pc:sldMk cId="2352253998" sldId="257"/>
+        </pc:sldMkLst>
+        <pc:spChg chg="mod">
+          <ac:chgData name="Julian Yang" userId="ccc87e70-b6ec-4d45-99e2-07a8cb198739" providerId="ADAL" clId="{6C5BD0D3-FD23-45D2-BA6F-CCCE508B508F}" dt="2024-07-09T22:58:06.523" v="48" actId="20577"/>
+          <ac:spMkLst>
+            <pc:docMk/>
+            <pc:sldMk cId="2352253998" sldId="257"/>
+            <ac:spMk id="2" creationId="{40F2E194-DAA0-80F9-F467-89B2971DEC98}"/>
+          </ac:spMkLst>
+        </pc:spChg>
+        <pc:spChg chg="mod">
+          <ac:chgData name="Julian Yang" userId="ccc87e70-b6ec-4d45-99e2-07a8cb198739" providerId="ADAL" clId="{6C5BD0D3-FD23-45D2-BA6F-CCCE508B508F}" dt="2024-07-09T23:09:16.816" v="155" actId="20577"/>
+          <ac:spMkLst>
+            <pc:docMk/>
+            <pc:sldMk cId="2352253998" sldId="257"/>
+            <ac:spMk id="3" creationId="{EB9BD1DA-53C2-EAD5-A572-D2E6FC6447EE}"/>
+          </ac:spMkLst>
+        </pc:spChg>
+      </pc:sldChg>
+      <pc:sldChg chg="modSp mod">
+        <pc:chgData name="Julian Yang" userId="ccc87e70-b6ec-4d45-99e2-07a8cb198739" providerId="ADAL" clId="{6C5BD0D3-FD23-45D2-BA6F-CCCE508B508F}" dt="2024-07-09T23:11:33.250" v="287" actId="20577"/>
+        <pc:sldMkLst>
+          <pc:docMk/>
+          <pc:sldMk cId="3470809691" sldId="258"/>
+        </pc:sldMkLst>
+        <pc:spChg chg="mod">
+          <ac:chgData name="Julian Yang" userId="ccc87e70-b6ec-4d45-99e2-07a8cb198739" providerId="ADAL" clId="{6C5BD0D3-FD23-45D2-BA6F-CCCE508B508F}" dt="2024-07-09T23:09:06.883" v="120" actId="20577"/>
+          <ac:spMkLst>
+            <pc:docMk/>
+            <pc:sldMk cId="3470809691" sldId="258"/>
+            <ac:spMk id="2" creationId="{81EB8156-9E74-4C26-F070-B22D34891131}"/>
+          </ac:spMkLst>
+        </pc:spChg>
+        <pc:spChg chg="mod">
+          <ac:chgData name="Julian Yang" userId="ccc87e70-b6ec-4d45-99e2-07a8cb198739" providerId="ADAL" clId="{6C5BD0D3-FD23-45D2-BA6F-CCCE508B508F}" dt="2024-07-09T23:11:33.250" v="287" actId="20577"/>
+          <ac:spMkLst>
+            <pc:docMk/>
+            <pc:sldMk cId="3470809691" sldId="258"/>
+            <ac:spMk id="3" creationId="{BE905397-B68A-6B6C-D5D3-2A0888B81148}"/>
+          </ac:spMkLst>
+        </pc:spChg>
+      </pc:sldChg>
+      <pc:sldChg chg="modSp mod">
+        <pc:chgData name="Julian Yang" userId="ccc87e70-b6ec-4d45-99e2-07a8cb198739" providerId="ADAL" clId="{6C5BD0D3-FD23-45D2-BA6F-CCCE508B508F}" dt="2024-07-09T23:11:26.982" v="285" actId="5793"/>
+        <pc:sldMkLst>
+          <pc:docMk/>
+          <pc:sldMk cId="2534223685" sldId="259"/>
+        </pc:sldMkLst>
+        <pc:spChg chg="mod">
+          <ac:chgData name="Julian Yang" userId="ccc87e70-b6ec-4d45-99e2-07a8cb198739" providerId="ADAL" clId="{6C5BD0D3-FD23-45D2-BA6F-CCCE508B508F}" dt="2024-07-09T23:09:58.487" v="260" actId="20577"/>
+          <ac:spMkLst>
+            <pc:docMk/>
+            <pc:sldMk cId="2534223685" sldId="259"/>
+            <ac:spMk id="2" creationId="{CBCDA6D9-8114-87A4-B94F-193408E3FE29}"/>
+          </ac:spMkLst>
+        </pc:spChg>
+        <pc:spChg chg="mod">
+          <ac:chgData name="Julian Yang" userId="ccc87e70-b6ec-4d45-99e2-07a8cb198739" providerId="ADAL" clId="{6C5BD0D3-FD23-45D2-BA6F-CCCE508B508F}" dt="2024-07-09T23:11:26.982" v="285" actId="5793"/>
+          <ac:spMkLst>
+            <pc:docMk/>
+            <pc:sldMk cId="2534223685" sldId="259"/>
+            <ac:spMk id="3" creationId="{8D5FC2BD-2A6B-9F5C-F08F-BED68043949D}"/>
+          </ac:spMkLst>
+        </pc:spChg>
+      </pc:sldChg>
+      <pc:sldChg chg="addSp modSp new mod">
+        <pc:chgData name="Julian Yang" userId="ccc87e70-b6ec-4d45-99e2-07a8cb198739" providerId="ADAL" clId="{6C5BD0D3-FD23-45D2-BA6F-CCCE508B508F}" dt="2024-07-09T23:13:23.441" v="540" actId="1076"/>
+        <pc:sldMkLst>
+          <pc:docMk/>
+          <pc:sldMk cId="589207219" sldId="260"/>
+        </pc:sldMkLst>
+        <pc:spChg chg="mod">
+          <ac:chgData name="Julian Yang" userId="ccc87e70-b6ec-4d45-99e2-07a8cb198739" providerId="ADAL" clId="{6C5BD0D3-FD23-45D2-BA6F-CCCE508B508F}" dt="2024-07-09T23:12:22.438" v="398" actId="20577"/>
+          <ac:spMkLst>
+            <pc:docMk/>
+            <pc:sldMk cId="589207219" sldId="260"/>
+            <ac:spMk id="2" creationId="{E7D05486-D6AF-BE7D-E0A9-6678F5FC1397}"/>
+          </ac:spMkLst>
+        </pc:spChg>
+        <pc:spChg chg="mod">
+          <ac:chgData name="Julian Yang" userId="ccc87e70-b6ec-4d45-99e2-07a8cb198739" providerId="ADAL" clId="{6C5BD0D3-FD23-45D2-BA6F-CCCE508B508F}" dt="2024-07-09T23:13:03.633" v="538" actId="20577"/>
+          <ac:spMkLst>
+            <pc:docMk/>
+            <pc:sldMk cId="589207219" sldId="260"/>
+            <ac:spMk id="3" creationId="{6B231EDE-C41E-C918-6B0D-6B7FBA00FDA9}"/>
+          </ac:spMkLst>
+        </pc:spChg>
+        <pc:picChg chg="add mod">
+          <ac:chgData name="Julian Yang" userId="ccc87e70-b6ec-4d45-99e2-07a8cb198739" providerId="ADAL" clId="{6C5BD0D3-FD23-45D2-BA6F-CCCE508B508F}" dt="2024-07-09T23:13:23.441" v="540" actId="1076"/>
+          <ac:picMkLst>
+            <pc:docMk/>
+            <pc:sldMk cId="589207219" sldId="260"/>
+            <ac:picMk id="5" creationId="{53D50E8B-9DB9-8C5C-85CA-0A30546CE118}"/>
+          </ac:picMkLst>
+        </pc:picChg>
+      </pc:sldChg>
+      <pc:sldChg chg="addSp modSp new mod">
+        <pc:chgData name="Julian Yang" userId="ccc87e70-b6ec-4d45-99e2-07a8cb198739" providerId="ADAL" clId="{6C5BD0D3-FD23-45D2-BA6F-CCCE508B508F}" dt="2024-07-09T23:17:33.211" v="695" actId="5793"/>
+        <pc:sldMkLst>
+          <pc:docMk/>
+          <pc:sldMk cId="2744146806" sldId="261"/>
+        </pc:sldMkLst>
+        <pc:spChg chg="mod">
+          <ac:chgData name="Julian Yang" userId="ccc87e70-b6ec-4d45-99e2-07a8cb198739" providerId="ADAL" clId="{6C5BD0D3-FD23-45D2-BA6F-CCCE508B508F}" dt="2024-07-09T23:13:35.093" v="571" actId="20577"/>
+          <ac:spMkLst>
+            <pc:docMk/>
+            <pc:sldMk cId="2744146806" sldId="261"/>
+            <ac:spMk id="2" creationId="{CF786E48-ED01-76EA-74C5-2A19CC5A54E6}"/>
+          </ac:spMkLst>
+        </pc:spChg>
+        <pc:spChg chg="mod">
+          <ac:chgData name="Julian Yang" userId="ccc87e70-b6ec-4d45-99e2-07a8cb198739" providerId="ADAL" clId="{6C5BD0D3-FD23-45D2-BA6F-CCCE508B508F}" dt="2024-07-09T23:17:33.211" v="695" actId="5793"/>
+          <ac:spMkLst>
+            <pc:docMk/>
+            <pc:sldMk cId="2744146806" sldId="261"/>
+            <ac:spMk id="3" creationId="{11D69D02-E7DF-D3BD-8D51-391622489127}"/>
+          </ac:spMkLst>
+        </pc:spChg>
+        <pc:picChg chg="add mod">
+          <ac:chgData name="Julian Yang" userId="ccc87e70-b6ec-4d45-99e2-07a8cb198739" providerId="ADAL" clId="{6C5BD0D3-FD23-45D2-BA6F-CCCE508B508F}" dt="2024-07-09T23:15:01.907" v="609" actId="1036"/>
+          <ac:picMkLst>
+            <pc:docMk/>
+            <pc:sldMk cId="2744146806" sldId="261"/>
+            <ac:picMk id="5" creationId="{FD95B056-25C9-BC36-87AB-9612D7CA66CF}"/>
+          </ac:picMkLst>
+        </pc:picChg>
+        <pc:picChg chg="add mod">
+          <ac:chgData name="Julian Yang" userId="ccc87e70-b6ec-4d45-99e2-07a8cb198739" providerId="ADAL" clId="{6C5BD0D3-FD23-45D2-BA6F-CCCE508B508F}" dt="2024-07-09T23:15:44.827" v="663" actId="1076"/>
+          <ac:picMkLst>
+            <pc:docMk/>
+            <pc:sldMk cId="2744146806" sldId="261"/>
+            <ac:picMk id="7" creationId="{CBE663B8-802D-A421-9B17-D67A465FDECB}"/>
+          </ac:picMkLst>
+        </pc:picChg>
+      </pc:sldChg>
+      <pc:sldChg chg="addSp delSp modSp new mod">
+        <pc:chgData name="Julian Yang" userId="ccc87e70-b6ec-4d45-99e2-07a8cb198739" providerId="ADAL" clId="{6C5BD0D3-FD23-45D2-BA6F-CCCE508B508F}" dt="2024-07-09T23:21:41.157" v="744"/>
+        <pc:sldMkLst>
+          <pc:docMk/>
+          <pc:sldMk cId="2038154961" sldId="262"/>
+        </pc:sldMkLst>
+        <pc:spChg chg="mod">
+          <ac:chgData name="Julian Yang" userId="ccc87e70-b6ec-4d45-99e2-07a8cb198739" providerId="ADAL" clId="{6C5BD0D3-FD23-45D2-BA6F-CCCE508B508F}" dt="2024-07-09T23:21:19.444" v="743" actId="20577"/>
+          <ac:spMkLst>
+            <pc:docMk/>
+            <pc:sldMk cId="2038154961" sldId="262"/>
+            <ac:spMk id="2" creationId="{9DDD1DA4-6B31-BD87-A8E9-C96080357492}"/>
+          </ac:spMkLst>
+        </pc:spChg>
+        <pc:spChg chg="del">
+          <ac:chgData name="Julian Yang" userId="ccc87e70-b6ec-4d45-99e2-07a8cb198739" providerId="ADAL" clId="{6C5BD0D3-FD23-45D2-BA6F-CCCE508B508F}" dt="2024-07-09T23:21:41.157" v="744"/>
+          <ac:spMkLst>
+            <pc:docMk/>
+            <pc:sldMk cId="2038154961" sldId="262"/>
+            <ac:spMk id="3" creationId="{6F282813-3F4F-5B78-B016-E8E6A3CA8B14}"/>
+          </ac:spMkLst>
+        </pc:spChg>
+        <pc:picChg chg="add mod">
+          <ac:chgData name="Julian Yang" userId="ccc87e70-b6ec-4d45-99e2-07a8cb198739" providerId="ADAL" clId="{6C5BD0D3-FD23-45D2-BA6F-CCCE508B508F}" dt="2024-07-09T23:21:41.157" v="744"/>
+          <ac:picMkLst>
+            <pc:docMk/>
+            <pc:sldMk cId="2038154961" sldId="262"/>
+            <ac:picMk id="1026" creationId="{D8AD7A15-502D-C8B9-8A1E-694063FE1127}"/>
+          </ac:picMkLst>
+        </pc:picChg>
       </pc:sldChg>
     </pc:docChg>
   </pc:docChgLst>
@@ -3526,11 +3721,7 @@
           <a:p>
             <a:r>
               <a:rPr lang="en-CA" dirty="0"/>
-              <a:t>1. </a:t>
-            </a:r>
-            <a:r>
-              <a:rPr lang="en-CA"/>
-              <a:t>Create</a:t>
+              <a:t>1. Create a new repository on DevOps.com</a:t>
             </a:r>
           </a:p>
         </p:txBody>
@@ -3556,7 +3747,10 @@
           <a:bodyPr/>
           <a:lstStyle/>
           <a:p>
-            <a:endParaRPr lang="en-CA"/>
+            <a:r>
+              <a:rPr lang="en-CA" dirty="0"/>
+              <a:t>Keep the URL of your repository</a:t>
+            </a:r>
           </a:p>
         </p:txBody>
       </p:sp>
@@ -3611,7 +3805,10 @@
           <a:bodyPr/>
           <a:lstStyle/>
           <a:p>
-            <a:endParaRPr lang="en-CA"/>
+            <a:r>
+              <a:rPr lang="en-CA" dirty="0"/>
+              <a:t>2. Anaconda Command Prompt</a:t>
+            </a:r>
           </a:p>
         </p:txBody>
       </p:sp>
@@ -3636,7 +3833,10 @@
           <a:bodyPr/>
           <a:lstStyle/>
           <a:p>
-            <a:endParaRPr lang="en-CA"/>
+            <a:r>
+              <a:rPr lang="en-CA" dirty="0"/>
+              <a:t>cd into your projects parent directory</a:t>
+            </a:r>
           </a:p>
         </p:txBody>
       </p:sp>
@@ -3688,10 +3888,15 @@
         </p:nvSpPr>
         <p:spPr/>
         <p:txBody>
-          <a:bodyPr/>
-          <a:lstStyle/>
-          <a:p>
-            <a:endParaRPr lang="en-CA"/>
+          <a:bodyPr>
+            <a:normAutofit/>
+          </a:bodyPr>
+          <a:lstStyle/>
+          <a:p>
+            <a:r>
+              <a:rPr lang="en-CA" dirty="0"/>
+              <a:t>3. Run following command in anaconda</a:t>
+            </a:r>
           </a:p>
         </p:txBody>
       </p:sp>
@@ -3713,10 +3918,22 @@
         </p:nvSpPr>
         <p:spPr/>
         <p:txBody>
-          <a:bodyPr/>
-          <a:lstStyle/>
-          <a:p>
-            <a:endParaRPr lang="en-CA"/>
+          <a:bodyPr>
+            <a:normAutofit/>
+          </a:bodyPr>
+          <a:lstStyle/>
+          <a:p>
+            <a:pPr marL="0" indent="0">
+              <a:buNone/>
+            </a:pPr>
+            <a:r>
+              <a:rPr lang="en-CA" sz="1800" dirty="0" err="1"/>
+              <a:t>cookiecutter</a:t>
+            </a:r>
+            <a:r>
+              <a:rPr lang="en-CA" sz="1800" dirty="0"/>
+              <a:t> https://github.com/julianyangenercare/cookiecuttertemplate</a:t>
+            </a:r>
           </a:p>
         </p:txBody>
       </p:sp>
@@ -3724,6 +3941,451 @@
     <p:extLst>
       <p:ext uri="{BB962C8B-B14F-4D97-AF65-F5344CB8AC3E}">
         <p14:creationId xmlns:p14="http://schemas.microsoft.com/office/powerpoint/2010/main" val="2534223685"/>
+      </p:ext>
+    </p:extLst>
+  </p:cSld>
+  <p:clrMapOvr>
+    <a:masterClrMapping/>
+  </p:clrMapOvr>
+</p:sld>
+</file>
+
+<file path=ppt/slides/slide5.xml><?xml version="1.0" encoding="utf-8"?>
+<p:sld xmlns:a="http://schemas.openxmlformats.org/drawingml/2006/main" xmlns:r="http://schemas.openxmlformats.org/officeDocument/2006/relationships" xmlns:p="http://schemas.openxmlformats.org/presentationml/2006/main">
+  <p:cSld>
+    <p:spTree>
+      <p:nvGrpSpPr>
+        <p:cNvPr id="1" name=""/>
+        <p:cNvGrpSpPr/>
+        <p:nvPr/>
+      </p:nvGrpSpPr>
+      <p:grpSpPr>
+        <a:xfrm>
+          <a:off x="0" y="0"/>
+          <a:ext cx="0" cy="0"/>
+          <a:chOff x="0" y="0"/>
+          <a:chExt cx="0" cy="0"/>
+        </a:xfrm>
+      </p:grpSpPr>
+      <p:sp>
+        <p:nvSpPr>
+          <p:cNvPr id="2" name="Title 1">
+            <a:extLst>
+              <a:ext uri="{FF2B5EF4-FFF2-40B4-BE49-F238E27FC236}">
+                <a16:creationId xmlns:a16="http://schemas.microsoft.com/office/drawing/2014/main" id="{E7D05486-D6AF-BE7D-E0A9-6678F5FC1397}"/>
+              </a:ext>
+            </a:extLst>
+          </p:cNvPr>
+          <p:cNvSpPr>
+            <a:spLocks noGrp="1"/>
+          </p:cNvSpPr>
+          <p:nvPr>
+            <p:ph type="title"/>
+          </p:nvPr>
+        </p:nvSpPr>
+        <p:spPr/>
+        <p:txBody>
+          <a:bodyPr/>
+          <a:lstStyle/>
+          <a:p>
+            <a:r>
+              <a:rPr lang="en-CA" dirty="0"/>
+              <a:t>4. Within Anaconda Prompt</a:t>
+            </a:r>
+          </a:p>
+        </p:txBody>
+      </p:sp>
+      <p:sp>
+        <p:nvSpPr>
+          <p:cNvPr id="3" name="Content Placeholder 2">
+            <a:extLst>
+              <a:ext uri="{FF2B5EF4-FFF2-40B4-BE49-F238E27FC236}">
+                <a16:creationId xmlns:a16="http://schemas.microsoft.com/office/drawing/2014/main" id="{6B231EDE-C41E-C918-6B0D-6B7FBA00FDA9}"/>
+              </a:ext>
+            </a:extLst>
+          </p:cNvPr>
+          <p:cNvSpPr>
+            <a:spLocks noGrp="1"/>
+          </p:cNvSpPr>
+          <p:nvPr>
+            <p:ph idx="1"/>
+          </p:nvPr>
+        </p:nvSpPr>
+        <p:spPr/>
+        <p:txBody>
+          <a:bodyPr/>
+          <a:lstStyle/>
+          <a:p>
+            <a:r>
+              <a:rPr lang="en-CA" dirty="0"/>
+              <a:t>Enter y if already used </a:t>
+            </a:r>
+            <a:r>
+              <a:rPr lang="en-CA" dirty="0" err="1"/>
+              <a:t>cookiecutter</a:t>
+            </a:r>
+            <a:r>
+              <a:rPr lang="en-CA" dirty="0"/>
+              <a:t> before</a:t>
+            </a:r>
+          </a:p>
+          <a:p>
+            <a:r>
+              <a:rPr lang="en-CA" dirty="0"/>
+              <a:t>Provide your project name in the first line</a:t>
+            </a:r>
+          </a:p>
+          <a:p>
+            <a:r>
+              <a:rPr lang="en-CA" dirty="0"/>
+              <a:t>Enter for the second line(nothing to provide)</a:t>
+            </a:r>
+          </a:p>
+          <a:p>
+            <a:endParaRPr lang="en-CA" dirty="0"/>
+          </a:p>
+          <a:p>
+            <a:endParaRPr lang="en-CA" dirty="0"/>
+          </a:p>
+          <a:p>
+            <a:endParaRPr lang="en-CA" dirty="0"/>
+          </a:p>
+        </p:txBody>
+      </p:sp>
+      <p:pic>
+        <p:nvPicPr>
+          <p:cNvPr id="5" name="Picture 4">
+            <a:extLst>
+              <a:ext uri="{FF2B5EF4-FFF2-40B4-BE49-F238E27FC236}">
+                <a16:creationId xmlns:a16="http://schemas.microsoft.com/office/drawing/2014/main" id="{53D50E8B-9DB9-8C5C-85CA-0A30546CE118}"/>
+              </a:ext>
+            </a:extLst>
+          </p:cNvPr>
+          <p:cNvPicPr>
+            <a:picLocks noChangeAspect="1"/>
+          </p:cNvPicPr>
+          <p:nvPr/>
+        </p:nvPicPr>
+        <p:blipFill>
+          <a:blip r:embed="rId2"/>
+          <a:stretch>
+            <a:fillRect/>
+          </a:stretch>
+        </p:blipFill>
+        <p:spPr>
+          <a:xfrm>
+            <a:off x="976895" y="3429000"/>
+            <a:ext cx="9323809" cy="2523809"/>
+          </a:xfrm>
+          <a:prstGeom prst="rect">
+            <a:avLst/>
+          </a:prstGeom>
+        </p:spPr>
+      </p:pic>
+    </p:spTree>
+    <p:extLst>
+      <p:ext uri="{BB962C8B-B14F-4D97-AF65-F5344CB8AC3E}">
+        <p14:creationId xmlns:p14="http://schemas.microsoft.com/office/powerpoint/2010/main" val="589207219"/>
+      </p:ext>
+    </p:extLst>
+  </p:cSld>
+  <p:clrMapOvr>
+    <a:masterClrMapping/>
+  </p:clrMapOvr>
+</p:sld>
+</file>
+
+<file path=ppt/slides/slide6.xml><?xml version="1.0" encoding="utf-8"?>
+<p:sld xmlns:a="http://schemas.openxmlformats.org/drawingml/2006/main" xmlns:r="http://schemas.openxmlformats.org/officeDocument/2006/relationships" xmlns:p="http://schemas.openxmlformats.org/presentationml/2006/main">
+  <p:cSld>
+    <p:spTree>
+      <p:nvGrpSpPr>
+        <p:cNvPr id="1" name=""/>
+        <p:cNvGrpSpPr/>
+        <p:nvPr/>
+      </p:nvGrpSpPr>
+      <p:grpSpPr>
+        <a:xfrm>
+          <a:off x="0" y="0"/>
+          <a:ext cx="0" cy="0"/>
+          <a:chOff x="0" y="0"/>
+          <a:chExt cx="0" cy="0"/>
+        </a:xfrm>
+      </p:grpSpPr>
+      <p:sp>
+        <p:nvSpPr>
+          <p:cNvPr id="2" name="Title 1">
+            <a:extLst>
+              <a:ext uri="{FF2B5EF4-FFF2-40B4-BE49-F238E27FC236}">
+                <a16:creationId xmlns:a16="http://schemas.microsoft.com/office/drawing/2014/main" id="{CF786E48-ED01-76EA-74C5-2A19CC5A54E6}"/>
+              </a:ext>
+            </a:extLst>
+          </p:cNvPr>
+          <p:cNvSpPr>
+            <a:spLocks noGrp="1"/>
+          </p:cNvSpPr>
+          <p:nvPr>
+            <p:ph type="title"/>
+          </p:nvPr>
+        </p:nvSpPr>
+        <p:spPr/>
+        <p:txBody>
+          <a:bodyPr/>
+          <a:lstStyle/>
+          <a:p>
+            <a:r>
+              <a:rPr lang="en-CA" dirty="0"/>
+              <a:t>5. Navigate into new project</a:t>
+            </a:r>
+          </a:p>
+        </p:txBody>
+      </p:sp>
+      <p:sp>
+        <p:nvSpPr>
+          <p:cNvPr id="3" name="Content Placeholder 2">
+            <a:extLst>
+              <a:ext uri="{FF2B5EF4-FFF2-40B4-BE49-F238E27FC236}">
+                <a16:creationId xmlns:a16="http://schemas.microsoft.com/office/drawing/2014/main" id="{11D69D02-E7DF-D3BD-8D51-391622489127}"/>
+              </a:ext>
+            </a:extLst>
+          </p:cNvPr>
+          <p:cNvSpPr>
+            <a:spLocks noGrp="1"/>
+          </p:cNvSpPr>
+          <p:nvPr>
+            <p:ph idx="1"/>
+          </p:nvPr>
+        </p:nvSpPr>
+        <p:spPr/>
+        <p:txBody>
+          <a:bodyPr/>
+          <a:lstStyle/>
+          <a:p>
+            <a:r>
+              <a:rPr lang="en-CA" dirty="0"/>
+              <a:t>Enter: git </a:t>
+            </a:r>
+            <a:r>
+              <a:rPr lang="en-CA" dirty="0" err="1"/>
+              <a:t>init</a:t>
+            </a:r>
+            <a:endParaRPr lang="en-CA" dirty="0"/>
+          </a:p>
+          <a:p>
+            <a:endParaRPr lang="en-CA" dirty="0"/>
+          </a:p>
+          <a:p>
+            <a:endParaRPr lang="en-CA" dirty="0"/>
+          </a:p>
+          <a:p>
+            <a:r>
+              <a:rPr lang="en-CA" dirty="0"/>
+              <a:t>Enter: git remote add origin + </a:t>
+            </a:r>
+            <a:r>
+              <a:rPr lang="en-CA" dirty="0" err="1"/>
+              <a:t>webURL</a:t>
+            </a:r>
+            <a:endParaRPr lang="en-CA" dirty="0"/>
+          </a:p>
+          <a:p>
+            <a:endParaRPr lang="en-CA" dirty="0"/>
+          </a:p>
+          <a:p>
+            <a:endParaRPr lang="en-CA" dirty="0"/>
+          </a:p>
+          <a:p>
+            <a:r>
+              <a:rPr lang="en-CA" dirty="0"/>
+              <a:t>Enter:</a:t>
+            </a:r>
+          </a:p>
+          <a:p>
+            <a:pPr marL="0" indent="0">
+              <a:buNone/>
+            </a:pPr>
+            <a:r>
+              <a:rPr lang="en-US" dirty="0"/>
+              <a:t>git add --all &amp; git commit -m "initialization" &amp; git push</a:t>
+            </a:r>
+            <a:endParaRPr lang="en-CA" dirty="0"/>
+          </a:p>
+          <a:p>
+            <a:endParaRPr lang="en-CA" dirty="0"/>
+          </a:p>
+        </p:txBody>
+      </p:sp>
+      <p:pic>
+        <p:nvPicPr>
+          <p:cNvPr id="5" name="Picture 4">
+            <a:extLst>
+              <a:ext uri="{FF2B5EF4-FFF2-40B4-BE49-F238E27FC236}">
+                <a16:creationId xmlns:a16="http://schemas.microsoft.com/office/drawing/2014/main" id="{FD95B056-25C9-BC36-87AB-9612D7CA66CF}"/>
+              </a:ext>
+            </a:extLst>
+          </p:cNvPr>
+          <p:cNvPicPr>
+            <a:picLocks noChangeAspect="1"/>
+          </p:cNvPicPr>
+          <p:nvPr/>
+        </p:nvPicPr>
+        <p:blipFill>
+          <a:blip r:embed="rId2"/>
+          <a:stretch>
+            <a:fillRect/>
+          </a:stretch>
+        </p:blipFill>
+        <p:spPr>
+          <a:xfrm>
+            <a:off x="849351" y="2364684"/>
+            <a:ext cx="8600000" cy="828571"/>
+          </a:xfrm>
+          <a:prstGeom prst="rect">
+            <a:avLst/>
+          </a:prstGeom>
+        </p:spPr>
+      </p:pic>
+      <p:pic>
+        <p:nvPicPr>
+          <p:cNvPr id="7" name="Picture 6">
+            <a:extLst>
+              <a:ext uri="{FF2B5EF4-FFF2-40B4-BE49-F238E27FC236}">
+                <a16:creationId xmlns:a16="http://schemas.microsoft.com/office/drawing/2014/main" id="{CBE663B8-802D-A421-9B17-D67A465FDECB}"/>
+              </a:ext>
+            </a:extLst>
+          </p:cNvPr>
+          <p:cNvPicPr>
+            <a:picLocks noChangeAspect="1"/>
+          </p:cNvPicPr>
+          <p:nvPr/>
+        </p:nvPicPr>
+        <p:blipFill>
+          <a:blip r:embed="rId3"/>
+          <a:stretch>
+            <a:fillRect/>
+          </a:stretch>
+        </p:blipFill>
+        <p:spPr>
+          <a:xfrm>
+            <a:off x="838200" y="3951775"/>
+            <a:ext cx="9238095" cy="733333"/>
+          </a:xfrm>
+          <a:prstGeom prst="rect">
+            <a:avLst/>
+          </a:prstGeom>
+        </p:spPr>
+      </p:pic>
+    </p:spTree>
+    <p:extLst>
+      <p:ext uri="{BB962C8B-B14F-4D97-AF65-F5344CB8AC3E}">
+        <p14:creationId xmlns:p14="http://schemas.microsoft.com/office/powerpoint/2010/main" val="2744146806"/>
+      </p:ext>
+    </p:extLst>
+  </p:cSld>
+  <p:clrMapOvr>
+    <a:masterClrMapping/>
+  </p:clrMapOvr>
+</p:sld>
+</file>
+
+<file path=ppt/slides/slide7.xml><?xml version="1.0" encoding="utf-8"?>
+<p:sld xmlns:a="http://schemas.openxmlformats.org/drawingml/2006/main" xmlns:r="http://schemas.openxmlformats.org/officeDocument/2006/relationships" xmlns:p="http://schemas.openxmlformats.org/presentationml/2006/main">
+  <p:cSld>
+    <p:spTree>
+      <p:nvGrpSpPr>
+        <p:cNvPr id="1" name=""/>
+        <p:cNvGrpSpPr/>
+        <p:nvPr/>
+      </p:nvGrpSpPr>
+      <p:grpSpPr>
+        <a:xfrm>
+          <a:off x="0" y="0"/>
+          <a:ext cx="0" cy="0"/>
+          <a:chOff x="0" y="0"/>
+          <a:chExt cx="0" cy="0"/>
+        </a:xfrm>
+      </p:grpSpPr>
+      <p:sp>
+        <p:nvSpPr>
+          <p:cNvPr id="2" name="Title 1">
+            <a:extLst>
+              <a:ext uri="{FF2B5EF4-FFF2-40B4-BE49-F238E27FC236}">
+                <a16:creationId xmlns:a16="http://schemas.microsoft.com/office/drawing/2014/main" id="{9DDD1DA4-6B31-BD87-A8E9-C96080357492}"/>
+              </a:ext>
+            </a:extLst>
+          </p:cNvPr>
+          <p:cNvSpPr>
+            <a:spLocks noGrp="1"/>
+          </p:cNvSpPr>
+          <p:nvPr>
+            <p:ph type="title"/>
+          </p:nvPr>
+        </p:nvSpPr>
+        <p:spPr/>
+        <p:txBody>
+          <a:bodyPr/>
+          <a:lstStyle/>
+          <a:p>
+            <a:r>
+              <a:rPr lang="en-CA" dirty="0"/>
+              <a:t>6. Your local repository is ready to rock</a:t>
+            </a:r>
+          </a:p>
+        </p:txBody>
+      </p:sp>
+      <p:pic>
+        <p:nvPicPr>
+          <p:cNvPr id="1026" name="Picture 2" descr="Cheers! Let's toast Leonardo DiCaprio again and again and again">
+            <a:extLst>
+              <a:ext uri="{FF2B5EF4-FFF2-40B4-BE49-F238E27FC236}">
+                <a16:creationId xmlns:a16="http://schemas.microsoft.com/office/drawing/2014/main" id="{D8AD7A15-502D-C8B9-8A1E-694063FE1127}"/>
+              </a:ext>
+            </a:extLst>
+          </p:cNvPr>
+          <p:cNvPicPr>
+            <a:picLocks noGrp="1" noChangeAspect="1" noChangeArrowheads="1"/>
+          </p:cNvPicPr>
+          <p:nvPr>
+            <p:ph idx="1"/>
+          </p:nvPr>
+        </p:nvPicPr>
+        <p:blipFill>
+          <a:blip r:embed="rId2">
+            <a:extLst>
+              <a:ext uri="{28A0092B-C50C-407E-A947-70E740481C1C}">
+                <a14:useLocalDpi xmlns:a14="http://schemas.microsoft.com/office/drawing/2010/main" val="0"/>
+              </a:ext>
+            </a:extLst>
+          </a:blip>
+          <a:srcRect/>
+          <a:stretch>
+            <a:fillRect/>
+          </a:stretch>
+        </p:blipFill>
+        <p:spPr bwMode="auto">
+          <a:xfrm>
+            <a:off x="3195108" y="1825625"/>
+            <a:ext cx="5801784" cy="4351338"/>
+          </a:xfrm>
+          <a:prstGeom prst="rect">
+            <a:avLst/>
+          </a:prstGeom>
+          <a:noFill/>
+          <a:extLst>
+            <a:ext uri="{909E8E84-426E-40DD-AFC4-6F175D3DCCD1}">
+              <a14:hiddenFill xmlns:a14="http://schemas.microsoft.com/office/drawing/2010/main">
+                <a:solidFill>
+                  <a:srgbClr val="FFFFFF"/>
+                </a:solidFill>
+              </a14:hiddenFill>
+            </a:ext>
+          </a:extLst>
+        </p:spPr>
+      </p:pic>
+    </p:spTree>
+    <p:extLst>
+      <p:ext uri="{BB962C8B-B14F-4D97-AF65-F5344CB8AC3E}">
+        <p14:creationId xmlns:p14="http://schemas.microsoft.com/office/powerpoint/2010/main" val="2038154961"/>
       </p:ext>
     </p:extLst>
   </p:cSld>

--- a/Use Cookiecutter to start your projects.pptx
+++ b/Use Cookiecutter to start your projects.pptx
@@ -368,6 +368,30 @@
       </pc:sldChg>
     </pc:docChg>
   </pc:docChgLst>
+  <pc:docChgLst>
+    <pc:chgData name="Julian Yang" userId="ccc87e70-b6ec-4d45-99e2-07a8cb198739" providerId="ADAL" clId="{1422D721-62C8-40FC-8356-3B8511094920}"/>
+    <pc:docChg chg="custSel modSld">
+      <pc:chgData name="Julian Yang" userId="ccc87e70-b6ec-4d45-99e2-07a8cb198739" providerId="ADAL" clId="{1422D721-62C8-40FC-8356-3B8511094920}" dt="2024-07-09T23:24:35.606" v="1" actId="27636"/>
+      <pc:docMkLst>
+        <pc:docMk/>
+      </pc:docMkLst>
+      <pc:sldChg chg="modSp mod">
+        <pc:chgData name="Julian Yang" userId="ccc87e70-b6ec-4d45-99e2-07a8cb198739" providerId="ADAL" clId="{1422D721-62C8-40FC-8356-3B8511094920}" dt="2024-07-09T23:24:35.606" v="1" actId="27636"/>
+        <pc:sldMkLst>
+          <pc:docMk/>
+          <pc:sldMk cId="2744146806" sldId="261"/>
+        </pc:sldMkLst>
+        <pc:spChg chg="mod">
+          <ac:chgData name="Julian Yang" userId="ccc87e70-b6ec-4d45-99e2-07a8cb198739" providerId="ADAL" clId="{1422D721-62C8-40FC-8356-3B8511094920}" dt="2024-07-09T23:24:35.606" v="1" actId="27636"/>
+          <ac:spMkLst>
+            <pc:docMk/>
+            <pc:sldMk cId="2744146806" sldId="261"/>
+            <ac:spMk id="3" creationId="{11D69D02-E7DF-D3BD-8D51-391622489127}"/>
+          </ac:spMkLst>
+        </pc:spChg>
+      </pc:sldChg>
+    </pc:docChg>
+  </pc:docChgLst>
 </pc:chgInfo>
 </file>
 
@@ -4158,7 +4182,9 @@
         </p:nvSpPr>
         <p:spPr/>
         <p:txBody>
-          <a:bodyPr/>
+          <a:bodyPr>
+            <a:normAutofit lnSpcReduction="10000"/>
+          </a:bodyPr>
           <a:lstStyle/>
           <a:p>
             <a:r>
@@ -4206,7 +4232,11 @@
             </a:pPr>
             <a:r>
               <a:rPr lang="en-US" dirty="0"/>
-              <a:t>git add --all &amp; git commit -m "initialization" &amp; git push</a:t>
+              <a:t>git add --all &amp; git commit -m "initialization" </a:t>
+            </a:r>
+            <a:r>
+              <a:rPr lang="en-US"/>
+              <a:t>&amp; git push --set-upstream origin master</a:t>
             </a:r>
             <a:endParaRPr lang="en-CA" dirty="0"/>
           </a:p>
